--- a/PPT/2. React Hook/3. React 프로젝트 살펴보기.pptx
+++ b/PPT/2. React Hook/3. React 프로젝트 살펴보기.pptx
@@ -15,6 +15,7 @@
     <p:sldId id="267" r:id="rId9"/>
     <p:sldId id="257" r:id="rId10"/>
     <p:sldId id="258" r:id="rId11"/>
+    <p:sldId id="269" r:id="rId12"/>
   </p:sldIdLst>
   <p:sldSz cx="12192000" cy="6858000"/>
   <p:notesSz cx="6858000" cy="9144000"/>
@@ -268,7 +269,7 @@
           <a:p>
             <a:fld id="{91A32BFC-9E33-4203-BC8B-D83116036911}" type="datetimeFigureOut">
               <a:rPr lang="ko-KR" altLang="en-US" smtClean="0"/>
-              <a:t>2021-06-27</a:t>
+              <a:t>2021-07-06</a:t>
             </a:fld>
             <a:endParaRPr lang="ko-KR" altLang="en-US"/>
           </a:p>
@@ -466,7 +467,7 @@
           <a:p>
             <a:fld id="{91A32BFC-9E33-4203-BC8B-D83116036911}" type="datetimeFigureOut">
               <a:rPr lang="ko-KR" altLang="en-US" smtClean="0"/>
-              <a:t>2021-06-27</a:t>
+              <a:t>2021-07-06</a:t>
             </a:fld>
             <a:endParaRPr lang="ko-KR" altLang="en-US"/>
           </a:p>
@@ -674,7 +675,7 @@
           <a:p>
             <a:fld id="{91A32BFC-9E33-4203-BC8B-D83116036911}" type="datetimeFigureOut">
               <a:rPr lang="ko-KR" altLang="en-US" smtClean="0"/>
-              <a:t>2021-06-27</a:t>
+              <a:t>2021-07-06</a:t>
             </a:fld>
             <a:endParaRPr lang="ko-KR" altLang="en-US"/>
           </a:p>
@@ -872,7 +873,7 @@
           <a:p>
             <a:fld id="{91A32BFC-9E33-4203-BC8B-D83116036911}" type="datetimeFigureOut">
               <a:rPr lang="ko-KR" altLang="en-US" smtClean="0"/>
-              <a:t>2021-06-27</a:t>
+              <a:t>2021-07-06</a:t>
             </a:fld>
             <a:endParaRPr lang="ko-KR" altLang="en-US"/>
           </a:p>
@@ -1147,7 +1148,7 @@
           <a:p>
             <a:fld id="{91A32BFC-9E33-4203-BC8B-D83116036911}" type="datetimeFigureOut">
               <a:rPr lang="ko-KR" altLang="en-US" smtClean="0"/>
-              <a:t>2021-06-27</a:t>
+              <a:t>2021-07-06</a:t>
             </a:fld>
             <a:endParaRPr lang="ko-KR" altLang="en-US"/>
           </a:p>
@@ -1412,7 +1413,7 @@
           <a:p>
             <a:fld id="{91A32BFC-9E33-4203-BC8B-D83116036911}" type="datetimeFigureOut">
               <a:rPr lang="ko-KR" altLang="en-US" smtClean="0"/>
-              <a:t>2021-06-27</a:t>
+              <a:t>2021-07-06</a:t>
             </a:fld>
             <a:endParaRPr lang="ko-KR" altLang="en-US"/>
           </a:p>
@@ -1824,7 +1825,7 @@
           <a:p>
             <a:fld id="{91A32BFC-9E33-4203-BC8B-D83116036911}" type="datetimeFigureOut">
               <a:rPr lang="ko-KR" altLang="en-US" smtClean="0"/>
-              <a:t>2021-06-27</a:t>
+              <a:t>2021-07-06</a:t>
             </a:fld>
             <a:endParaRPr lang="ko-KR" altLang="en-US"/>
           </a:p>
@@ -1965,7 +1966,7 @@
           <a:p>
             <a:fld id="{91A32BFC-9E33-4203-BC8B-D83116036911}" type="datetimeFigureOut">
               <a:rPr lang="ko-KR" altLang="en-US" smtClean="0"/>
-              <a:t>2021-06-27</a:t>
+              <a:t>2021-07-06</a:t>
             </a:fld>
             <a:endParaRPr lang="ko-KR" altLang="en-US"/>
           </a:p>
@@ -2078,7 +2079,7 @@
           <a:p>
             <a:fld id="{91A32BFC-9E33-4203-BC8B-D83116036911}" type="datetimeFigureOut">
               <a:rPr lang="ko-KR" altLang="en-US" smtClean="0"/>
-              <a:t>2021-06-27</a:t>
+              <a:t>2021-07-06</a:t>
             </a:fld>
             <a:endParaRPr lang="ko-KR" altLang="en-US"/>
           </a:p>
@@ -2389,7 +2390,7 @@
           <a:p>
             <a:fld id="{91A32BFC-9E33-4203-BC8B-D83116036911}" type="datetimeFigureOut">
               <a:rPr lang="ko-KR" altLang="en-US" smtClean="0"/>
-              <a:t>2021-06-27</a:t>
+              <a:t>2021-07-06</a:t>
             </a:fld>
             <a:endParaRPr lang="ko-KR" altLang="en-US"/>
           </a:p>
@@ -2677,7 +2678,7 @@
           <a:p>
             <a:fld id="{91A32BFC-9E33-4203-BC8B-D83116036911}" type="datetimeFigureOut">
               <a:rPr lang="ko-KR" altLang="en-US" smtClean="0"/>
-              <a:t>2021-06-27</a:t>
+              <a:t>2021-07-06</a:t>
             </a:fld>
             <a:endParaRPr lang="ko-KR" altLang="en-US"/>
           </a:p>
@@ -2918,7 +2919,7 @@
           <a:p>
             <a:fld id="{91A32BFC-9E33-4203-BC8B-D83116036911}" type="datetimeFigureOut">
               <a:rPr lang="ko-KR" altLang="en-US" smtClean="0"/>
-              <a:t>2021-06-27</a:t>
+              <a:t>2021-07-06</a:t>
             </a:fld>
             <a:endParaRPr lang="ko-KR" altLang="en-US"/>
           </a:p>
@@ -3807,6 +3808,117 @@
 </p:sld>
 </file>
 
+<file path=ppt/slides/slide11.xml><?xml version="1.0" encoding="utf-8"?>
+<p:sld xmlns:a="http://schemas.openxmlformats.org/drawingml/2006/main" xmlns:r="http://schemas.openxmlformats.org/officeDocument/2006/relationships" xmlns:p="http://schemas.openxmlformats.org/presentationml/2006/main">
+  <p:cSld>
+    <p:spTree>
+      <p:nvGrpSpPr>
+        <p:cNvPr id="1" name=""/>
+        <p:cNvGrpSpPr/>
+        <p:nvPr/>
+      </p:nvGrpSpPr>
+      <p:grpSpPr>
+        <a:xfrm>
+          <a:off x="0" y="0"/>
+          <a:ext cx="0" cy="0"/>
+          <a:chOff x="0" y="0"/>
+          <a:chExt cx="0" cy="0"/>
+        </a:xfrm>
+      </p:grpSpPr>
+      <p:pic>
+        <p:nvPicPr>
+          <p:cNvPr id="10" name="그림 9">
+            <a:extLst>
+              <a:ext uri="{FF2B5EF4-FFF2-40B4-BE49-F238E27FC236}">
+                <a16:creationId xmlns:a16="http://schemas.microsoft.com/office/drawing/2014/main" id="{5B215570-AF98-4C65-AA43-79A55E1AA6C1}"/>
+              </a:ext>
+            </a:extLst>
+          </p:cNvPr>
+          <p:cNvPicPr>
+            <a:picLocks noChangeAspect="1"/>
+          </p:cNvPicPr>
+          <p:nvPr/>
+        </p:nvPicPr>
+        <p:blipFill>
+          <a:blip r:embed="rId2"/>
+          <a:stretch>
+            <a:fillRect/>
+          </a:stretch>
+        </p:blipFill>
+        <p:spPr>
+          <a:xfrm>
+            <a:off x="57150" y="142875"/>
+            <a:ext cx="12077700" cy="6572250"/>
+          </a:xfrm>
+          <a:prstGeom prst="rect">
+            <a:avLst/>
+          </a:prstGeom>
+        </p:spPr>
+      </p:pic>
+      <p:sp>
+        <p:nvSpPr>
+          <p:cNvPr id="11" name="직사각형 10">
+            <a:extLst>
+              <a:ext uri="{FF2B5EF4-FFF2-40B4-BE49-F238E27FC236}">
+                <a16:creationId xmlns:a16="http://schemas.microsoft.com/office/drawing/2014/main" id="{6569C173-26A1-4140-B369-A813259F2C35}"/>
+              </a:ext>
+            </a:extLst>
+          </p:cNvPr>
+          <p:cNvSpPr/>
+          <p:nvPr/>
+        </p:nvSpPr>
+        <p:spPr>
+          <a:xfrm>
+            <a:off x="653143" y="1073020"/>
+            <a:ext cx="2743200" cy="2873829"/>
+          </a:xfrm>
+          <a:prstGeom prst="rect">
+            <a:avLst/>
+          </a:prstGeom>
+          <a:solidFill>
+            <a:srgbClr val="4472C4">
+              <a:alpha val="30196"/>
+            </a:srgbClr>
+          </a:solidFill>
+        </p:spPr>
+        <p:style>
+          <a:lnRef idx="2">
+            <a:schemeClr val="accent1">
+              <a:shade val="50000"/>
+            </a:schemeClr>
+          </a:lnRef>
+          <a:fillRef idx="1">
+            <a:schemeClr val="accent1"/>
+          </a:fillRef>
+          <a:effectRef idx="0">
+            <a:schemeClr val="accent1"/>
+          </a:effectRef>
+          <a:fontRef idx="minor">
+            <a:schemeClr val="lt1"/>
+          </a:fontRef>
+        </p:style>
+        <p:txBody>
+          <a:bodyPr rtlCol="0" anchor="ctr"/>
+          <a:lstStyle/>
+          <a:p>
+            <a:pPr algn="ctr"/>
+            <a:endParaRPr lang="ko-KR" altLang="en-US"/>
+          </a:p>
+        </p:txBody>
+      </p:sp>
+    </p:spTree>
+    <p:extLst>
+      <p:ext uri="{BB962C8B-B14F-4D97-AF65-F5344CB8AC3E}">
+        <p14:creationId xmlns:p14="http://schemas.microsoft.com/office/powerpoint/2010/main" val="2978067506"/>
+      </p:ext>
+    </p:extLst>
+  </p:cSld>
+  <p:clrMapOvr>
+    <a:masterClrMapping/>
+  </p:clrMapOvr>
+</p:sld>
+</file>
+
 <file path=ppt/slides/slide2.xml><?xml version="1.0" encoding="utf-8"?>
 <p:sld xmlns:a="http://schemas.openxmlformats.org/drawingml/2006/main" xmlns:r="http://schemas.openxmlformats.org/officeDocument/2006/relationships" xmlns:p="http://schemas.openxmlformats.org/presentationml/2006/main">
   <p:cSld>
